--- a/Hexboard Edit Design.pptx
+++ b/Hexboard Edit Design.pptx
@@ -138,7 +138,7 @@
 <file path=ppt/revisionInfo.xml><?xml version="1.0" encoding="utf-8"?>
 <p1510:revInfo xmlns:a="http://schemas.openxmlformats.org/drawingml/2006/main" xmlns:r="http://schemas.openxmlformats.org/officeDocument/2006/relationships" xmlns:p1510="http://schemas.microsoft.com/office/powerpoint/2015/10/main">
   <p1510:revLst>
-    <p1510:client id="{22890EDA-8C02-4714-918F-9E214252E4F0}" v="51" dt="2025-02-20T22:41:19.110"/>
+    <p1510:client id="{22890EDA-8C02-4714-918F-9E214252E4F0}" v="68" dt="2025-02-21T17:14:30.716"/>
   </p1510:revLst>
 </p1510:revInfo>
 </file>
@@ -148,7 +148,7 @@
   <pc:docChgLst>
     <pc:chgData name="Nicholas Fox" userId="c15c04019fc658d6" providerId="LiveId" clId="{22890EDA-8C02-4714-918F-9E214252E4F0}"/>
     <pc:docChg chg="undo redo custSel addSld delSld modSld sldOrd">
-      <pc:chgData name="Nicholas Fox" userId="c15c04019fc658d6" providerId="LiveId" clId="{22890EDA-8C02-4714-918F-9E214252E4F0}" dt="2025-02-20T22:41:52.162" v="4293" actId="20577"/>
+      <pc:chgData name="Nicholas Fox" userId="c15c04019fc658d6" providerId="LiveId" clId="{22890EDA-8C02-4714-918F-9E214252E4F0}" dt="2025-02-21T18:33:56.889" v="4513" actId="1035"/>
       <pc:docMkLst>
         <pc:docMk/>
       </pc:docMkLst>
@@ -272,7 +272,7 @@
         </pc:sldMkLst>
       </pc:sldChg>
       <pc:sldChg chg="delSp modSp mod">
-        <pc:chgData name="Nicholas Fox" userId="c15c04019fc658d6" providerId="LiveId" clId="{22890EDA-8C02-4714-918F-9E214252E4F0}" dt="2025-02-20T15:07:18.147" v="5" actId="20577"/>
+        <pc:chgData name="Nicholas Fox" userId="c15c04019fc658d6" providerId="LiveId" clId="{22890EDA-8C02-4714-918F-9E214252E4F0}" dt="2025-02-21T17:07:02.301" v="4425" actId="20577"/>
         <pc:sldMkLst>
           <pc:docMk/>
           <pc:sldMk cId="2717805991" sldId="275"/>
@@ -301,28 +301,147 @@
             <ac:spMk id="411" creationId="{7BE1FC7E-7B14-DEF1-7771-D7BBE1805C31}"/>
           </ac:spMkLst>
         </pc:spChg>
+        <pc:spChg chg="mod">
+          <ac:chgData name="Nicholas Fox" userId="c15c04019fc658d6" providerId="LiveId" clId="{22890EDA-8C02-4714-918F-9E214252E4F0}" dt="2025-02-21T17:07:02.301" v="4425" actId="20577"/>
+          <ac:spMkLst>
+            <pc:docMk/>
+            <pc:sldMk cId="2717805991" sldId="275"/>
+            <ac:spMk id="413" creationId="{8DA51C9B-6AF2-DDA8-6AAA-C4DFAD1B3B6D}"/>
+          </ac:spMkLst>
+        </pc:spChg>
       </pc:sldChg>
       <pc:sldChg chg="modSp mod">
-        <pc:chgData name="Nicholas Fox" userId="c15c04019fc658d6" providerId="LiveId" clId="{22890EDA-8C02-4714-918F-9E214252E4F0}" dt="2025-02-20T15:05:54.748" v="0" actId="1035"/>
+        <pc:chgData name="Nicholas Fox" userId="c15c04019fc658d6" providerId="LiveId" clId="{22890EDA-8C02-4714-918F-9E214252E4F0}" dt="2025-02-21T17:13:09.086" v="4446" actId="20577"/>
+        <pc:sldMkLst>
+          <pc:docMk/>
+          <pc:sldMk cId="3840384705" sldId="276"/>
+        </pc:sldMkLst>
+        <pc:spChg chg="mod">
+          <ac:chgData name="Nicholas Fox" userId="c15c04019fc658d6" providerId="LiveId" clId="{22890EDA-8C02-4714-918F-9E214252E4F0}" dt="2025-02-21T17:03:44.157" v="4385" actId="6549"/>
+          <ac:spMkLst>
+            <pc:docMk/>
+            <pc:sldMk cId="3840384705" sldId="276"/>
+            <ac:spMk id="6" creationId="{6E0F586D-4B34-57D2-676C-B8892325C84D}"/>
+          </ac:spMkLst>
+        </pc:spChg>
+        <pc:spChg chg="mod">
+          <ac:chgData name="Nicholas Fox" userId="c15c04019fc658d6" providerId="LiveId" clId="{22890EDA-8C02-4714-918F-9E214252E4F0}" dt="2025-02-21T17:03:50.687" v="4392" actId="20577"/>
+          <ac:spMkLst>
+            <pc:docMk/>
+            <pc:sldMk cId="3840384705" sldId="276"/>
+            <ac:spMk id="7" creationId="{5D0F6724-CB2E-D1B7-0763-645F686178A8}"/>
+          </ac:spMkLst>
+        </pc:spChg>
+        <pc:spChg chg="mod">
+          <ac:chgData name="Nicholas Fox" userId="c15c04019fc658d6" providerId="LiveId" clId="{22890EDA-8C02-4714-918F-9E214252E4F0}" dt="2025-02-21T17:13:09.086" v="4446" actId="20577"/>
+          <ac:spMkLst>
+            <pc:docMk/>
+            <pc:sldMk cId="3840384705" sldId="276"/>
+            <ac:spMk id="345" creationId="{E750BD38-2815-4205-BFE3-075D3B74EBCC}"/>
+          </ac:spMkLst>
+        </pc:spChg>
+        <pc:spChg chg="mod">
+          <ac:chgData name="Nicholas Fox" userId="c15c04019fc658d6" providerId="LiveId" clId="{22890EDA-8C02-4714-918F-9E214252E4F0}" dt="2025-02-21T17:03:57.915" v="4396" actId="21"/>
+          <ac:spMkLst>
+            <pc:docMk/>
+            <pc:sldMk cId="3840384705" sldId="276"/>
+            <ac:spMk id="409" creationId="{13ED411A-C3BE-E53E-A7B6-B6EAFE42D6A7}"/>
+          </ac:spMkLst>
+        </pc:spChg>
+        <pc:spChg chg="mod">
+          <ac:chgData name="Nicholas Fox" userId="c15c04019fc658d6" providerId="LiveId" clId="{22890EDA-8C02-4714-918F-9E214252E4F0}" dt="2025-02-21T17:04:03.398" v="4406" actId="6549"/>
+          <ac:spMkLst>
+            <pc:docMk/>
+            <pc:sldMk cId="3840384705" sldId="276"/>
+            <ac:spMk id="410" creationId="{52BB5F36-EA7E-D700-68C1-26A95612C0AE}"/>
+          </ac:spMkLst>
+        </pc:spChg>
+        <pc:spChg chg="mod">
+          <ac:chgData name="Nicholas Fox" userId="c15c04019fc658d6" providerId="LiveId" clId="{22890EDA-8C02-4714-918F-9E214252E4F0}" dt="2025-02-21T17:04:07.025" v="4411" actId="20577"/>
+          <ac:spMkLst>
+            <pc:docMk/>
+            <pc:sldMk cId="3840384705" sldId="276"/>
+            <ac:spMk id="411" creationId="{7BE1FC7E-7B14-DEF1-7771-D7BBE1805C31}"/>
+          </ac:spMkLst>
+        </pc:spChg>
+        <pc:spChg chg="mod">
+          <ac:chgData name="Nicholas Fox" userId="c15c04019fc658d6" providerId="LiveId" clId="{22890EDA-8C02-4714-918F-9E214252E4F0}" dt="2025-02-21T17:04:10.324" v="4421" actId="20577"/>
+          <ac:spMkLst>
+            <pc:docMk/>
+            <pc:sldMk cId="3840384705" sldId="276"/>
+            <ac:spMk id="412" creationId="{3B579244-669E-DBF4-9BBD-1AFF2909F56F}"/>
+          </ac:spMkLst>
+        </pc:spChg>
+        <pc:spChg chg="mod">
+          <ac:chgData name="Nicholas Fox" userId="c15c04019fc658d6" providerId="LiveId" clId="{22890EDA-8C02-4714-918F-9E214252E4F0}" dt="2025-02-21T17:03:27.357" v="4373" actId="20577"/>
+          <ac:spMkLst>
+            <pc:docMk/>
+            <pc:sldMk cId="3840384705" sldId="276"/>
+            <ac:spMk id="413" creationId="{8DA51C9B-6AF2-DDA8-6AAA-C4DFAD1B3B6D}"/>
+          </ac:spMkLst>
+        </pc:spChg>
+      </pc:sldChg>
+      <pc:sldChg chg="addSp delSp modSp mod">
+        <pc:chgData name="Nicholas Fox" userId="c15c04019fc658d6" providerId="LiveId" clId="{22890EDA-8C02-4714-918F-9E214252E4F0}" dt="2025-02-21T18:33:56.889" v="4513" actId="1035"/>
         <pc:sldMkLst>
           <pc:docMk/>
           <pc:sldMk cId="2024955229" sldId="277"/>
         </pc:sldMkLst>
         <pc:spChg chg="mod">
-          <ac:chgData name="Nicholas Fox" userId="c15c04019fc658d6" providerId="LiveId" clId="{22890EDA-8C02-4714-918F-9E214252E4F0}" dt="2025-02-20T15:05:54.748" v="0" actId="1035"/>
+          <ac:chgData name="Nicholas Fox" userId="c15c04019fc658d6" providerId="LiveId" clId="{22890EDA-8C02-4714-918F-9E214252E4F0}" dt="2025-02-21T18:33:56.889" v="4513" actId="1035"/>
           <ac:spMkLst>
             <pc:docMk/>
             <pc:sldMk cId="2024955229" sldId="277"/>
             <ac:spMk id="2" creationId="{1B4C5734-13AF-A927-14EE-560BBC1C71BA}"/>
           </ac:spMkLst>
         </pc:spChg>
+        <pc:spChg chg="add mod">
+          <ac:chgData name="Nicholas Fox" userId="c15c04019fc658d6" providerId="LiveId" clId="{22890EDA-8C02-4714-918F-9E214252E4F0}" dt="2025-02-21T17:14:30.145" v="4470" actId="1076"/>
+          <ac:spMkLst>
+            <pc:docMk/>
+            <pc:sldMk cId="2024955229" sldId="277"/>
+            <ac:spMk id="3" creationId="{48676236-90D0-FB75-05BD-8421E1F7FFE3}"/>
+          </ac:spMkLst>
+        </pc:spChg>
+        <pc:spChg chg="add mod">
+          <ac:chgData name="Nicholas Fox" userId="c15c04019fc658d6" providerId="LiveId" clId="{22890EDA-8C02-4714-918F-9E214252E4F0}" dt="2025-02-21T17:15:50.899" v="4494" actId="14100"/>
+          <ac:spMkLst>
+            <pc:docMk/>
+            <pc:sldMk cId="2024955229" sldId="277"/>
+            <ac:spMk id="6" creationId="{322BF60E-2E50-9A7F-AFCB-7D08C0D5A5C9}"/>
+          </ac:spMkLst>
+        </pc:spChg>
+        <pc:spChg chg="mod">
+          <ac:chgData name="Nicholas Fox" userId="c15c04019fc658d6" providerId="LiveId" clId="{22890EDA-8C02-4714-918F-9E214252E4F0}" dt="2025-02-21T17:17:53.784" v="4495" actId="20577"/>
+          <ac:spMkLst>
+            <pc:docMk/>
+            <pc:sldMk cId="2024955229" sldId="277"/>
+            <ac:spMk id="27" creationId="{614E9C6C-892F-28C9-3537-7427554FF7BC}"/>
+          </ac:spMkLst>
+        </pc:spChg>
+        <pc:spChg chg="del">
+          <ac:chgData name="Nicholas Fox" userId="c15c04019fc658d6" providerId="LiveId" clId="{22890EDA-8C02-4714-918F-9E214252E4F0}" dt="2025-02-21T17:04:21.653" v="4422" actId="478"/>
+          <ac:spMkLst>
+            <pc:docMk/>
+            <pc:sldMk cId="2024955229" sldId="277"/>
+            <ac:spMk id="413" creationId="{8DA51C9B-6AF2-DDA8-6AAA-C4DFAD1B3B6D}"/>
+          </ac:spMkLst>
+        </pc:spChg>
       </pc:sldChg>
-      <pc:sldChg chg="modSp mod">
-        <pc:chgData name="Nicholas Fox" userId="c15c04019fc658d6" providerId="LiveId" clId="{22890EDA-8C02-4714-918F-9E214252E4F0}" dt="2025-02-20T21:26:39.265" v="197" actId="20577"/>
+      <pc:sldChg chg="addSp delSp modSp mod">
+        <pc:chgData name="Nicholas Fox" userId="c15c04019fc658d6" providerId="LiveId" clId="{22890EDA-8C02-4714-918F-9E214252E4F0}" dt="2025-02-21T17:08:18.786" v="4427"/>
         <pc:sldMkLst>
           <pc:docMk/>
           <pc:sldMk cId="194484801" sldId="278"/>
         </pc:sldMkLst>
+        <pc:spChg chg="add mod">
+          <ac:chgData name="Nicholas Fox" userId="c15c04019fc658d6" providerId="LiveId" clId="{22890EDA-8C02-4714-918F-9E214252E4F0}" dt="2025-02-21T17:08:18.786" v="4427"/>
+          <ac:spMkLst>
+            <pc:docMk/>
+            <pc:sldMk cId="194484801" sldId="278"/>
+            <ac:spMk id="2" creationId="{4519D9DD-41D9-B678-C737-D20DC5380537}"/>
+          </ac:spMkLst>
+        </pc:spChg>
         <pc:spChg chg="mod">
           <ac:chgData name="Nicholas Fox" userId="c15c04019fc658d6" providerId="LiveId" clId="{22890EDA-8C02-4714-918F-9E214252E4F0}" dt="2025-02-20T21:25:59.638" v="121" actId="20577"/>
           <ac:spMkLst>
@@ -347,9 +466,17 @@
             <ac:spMk id="410" creationId="{52BB5F36-EA7E-D700-68C1-26A95612C0AE}"/>
           </ac:spMkLst>
         </pc:spChg>
+        <pc:spChg chg="del">
+          <ac:chgData name="Nicholas Fox" userId="c15c04019fc658d6" providerId="LiveId" clId="{22890EDA-8C02-4714-918F-9E214252E4F0}" dt="2025-02-21T17:08:18.516" v="4426" actId="478"/>
+          <ac:spMkLst>
+            <pc:docMk/>
+            <pc:sldMk cId="194484801" sldId="278"/>
+            <ac:spMk id="413" creationId="{8DA51C9B-6AF2-DDA8-6AAA-C4DFAD1B3B6D}"/>
+          </ac:spMkLst>
+        </pc:spChg>
       </pc:sldChg>
       <pc:sldChg chg="addSp delSp modSp mod">
-        <pc:chgData name="Nicholas Fox" userId="c15c04019fc658d6" providerId="LiveId" clId="{22890EDA-8C02-4714-918F-9E214252E4F0}" dt="2025-02-20T22:41:14.001" v="4277" actId="478"/>
+        <pc:chgData name="Nicholas Fox" userId="c15c04019fc658d6" providerId="LiveId" clId="{22890EDA-8C02-4714-918F-9E214252E4F0}" dt="2025-02-21T17:08:36.340" v="4435"/>
         <pc:sldMkLst>
           <pc:docMk/>
           <pc:sldMk cId="4283053984" sldId="280"/>
@@ -360,6 +487,14 @@
             <pc:docMk/>
             <pc:sldMk cId="4283053984" sldId="280"/>
             <ac:spMk id="2" creationId="{7A2131CE-F16A-407C-EFAD-DF032870563B}"/>
+          </ac:spMkLst>
+        </pc:spChg>
+        <pc:spChg chg="add mod">
+          <ac:chgData name="Nicholas Fox" userId="c15c04019fc658d6" providerId="LiveId" clId="{22890EDA-8C02-4714-918F-9E214252E4F0}" dt="2025-02-21T17:08:36.340" v="4435"/>
+          <ac:spMkLst>
+            <pc:docMk/>
+            <pc:sldMk cId="4283053984" sldId="280"/>
+            <ac:spMk id="2" creationId="{8F378C3C-5EB0-30EE-BA19-289B502A6AD7}"/>
           </ac:spMkLst>
         </pc:spChg>
         <pc:spChg chg="del mod">
@@ -579,6 +714,14 @@
           </ac:spMkLst>
         </pc:spChg>
         <pc:spChg chg="del">
+          <ac:chgData name="Nicholas Fox" userId="c15c04019fc658d6" providerId="LiveId" clId="{22890EDA-8C02-4714-918F-9E214252E4F0}" dt="2025-02-21T17:08:36.065" v="4434" actId="478"/>
+          <ac:spMkLst>
+            <pc:docMk/>
+            <pc:sldMk cId="4283053984" sldId="280"/>
+            <ac:spMk id="413" creationId="{8DA51C9B-6AF2-DDA8-6AAA-C4DFAD1B3B6D}"/>
+          </ac:spMkLst>
+        </pc:spChg>
+        <pc:spChg chg="del">
           <ac:chgData name="Nicholas Fox" userId="c15c04019fc658d6" providerId="LiveId" clId="{22890EDA-8C02-4714-918F-9E214252E4F0}" dt="2025-02-20T21:39:26.568" v="749" actId="478"/>
           <ac:spMkLst>
             <pc:docMk/>
@@ -612,7 +755,7 @@
         </pc:grpChg>
       </pc:sldChg>
       <pc:sldChg chg="addSp delSp modSp add mod">
-        <pc:chgData name="Nicholas Fox" userId="c15c04019fc658d6" providerId="LiveId" clId="{22890EDA-8C02-4714-918F-9E214252E4F0}" dt="2025-02-20T22:21:30.264" v="2773" actId="20577"/>
+        <pc:chgData name="Nicholas Fox" userId="c15c04019fc658d6" providerId="LiveId" clId="{22890EDA-8C02-4714-918F-9E214252E4F0}" dt="2025-02-21T17:08:23.403" v="4429"/>
         <pc:sldMkLst>
           <pc:docMk/>
           <pc:sldMk cId="3764591223" sldId="281"/>
@@ -631,6 +774,14 @@
             <pc:docMk/>
             <pc:sldMk cId="3764591223" sldId="281"/>
             <ac:spMk id="3" creationId="{B3170E34-2612-A870-7191-A7B25BF675AA}"/>
+          </ac:spMkLst>
+        </pc:spChg>
+        <pc:spChg chg="add mod">
+          <ac:chgData name="Nicholas Fox" userId="c15c04019fc658d6" providerId="LiveId" clId="{22890EDA-8C02-4714-918F-9E214252E4F0}" dt="2025-02-21T17:08:23.403" v="4429"/>
+          <ac:spMkLst>
+            <pc:docMk/>
+            <pc:sldMk cId="3764591223" sldId="281"/>
+            <ac:spMk id="4" creationId="{1FA78EBC-E79A-7644-3F74-85939C243078}"/>
           </ac:spMkLst>
         </pc:spChg>
         <pc:spChg chg="add mod">
@@ -786,6 +937,14 @@
           </ac:spMkLst>
         </pc:spChg>
         <pc:spChg chg="del">
+          <ac:chgData name="Nicholas Fox" userId="c15c04019fc658d6" providerId="LiveId" clId="{22890EDA-8C02-4714-918F-9E214252E4F0}" dt="2025-02-21T17:08:23.108" v="4428" actId="478"/>
+          <ac:spMkLst>
+            <pc:docMk/>
+            <pc:sldMk cId="3764591223" sldId="281"/>
+            <ac:spMk id="413" creationId="{F64361E0-01ED-3D5C-D13E-BB9B3536B0E1}"/>
+          </ac:spMkLst>
+        </pc:spChg>
+        <pc:spChg chg="del">
           <ac:chgData name="Nicholas Fox" userId="c15c04019fc658d6" providerId="LiveId" clId="{22890EDA-8C02-4714-918F-9E214252E4F0}" dt="2025-02-20T21:27:19.860" v="232" actId="478"/>
           <ac:spMkLst>
             <pc:docMk/>
@@ -835,7 +994,7 @@
         </pc:grpChg>
       </pc:sldChg>
       <pc:sldChg chg="addSp delSp modSp add mod">
-        <pc:chgData name="Nicholas Fox" userId="c15c04019fc658d6" providerId="LiveId" clId="{22890EDA-8C02-4714-918F-9E214252E4F0}" dt="2025-02-20T22:22:14.539" v="2851" actId="20577"/>
+        <pc:chgData name="Nicholas Fox" userId="c15c04019fc658d6" providerId="LiveId" clId="{22890EDA-8C02-4714-918F-9E214252E4F0}" dt="2025-02-21T17:08:27.682" v="4431"/>
         <pc:sldMkLst>
           <pc:docMk/>
           <pc:sldMk cId="2529531283" sldId="282"/>
@@ -854,6 +1013,14 @@
             <pc:docMk/>
             <pc:sldMk cId="2529531283" sldId="282"/>
             <ac:spMk id="3" creationId="{585A6A97-E014-928D-47B4-EB62C1D89DAF}"/>
+          </ac:spMkLst>
+        </pc:spChg>
+        <pc:spChg chg="add mod">
+          <ac:chgData name="Nicholas Fox" userId="c15c04019fc658d6" providerId="LiveId" clId="{22890EDA-8C02-4714-918F-9E214252E4F0}" dt="2025-02-21T17:08:27.682" v="4431"/>
+          <ac:spMkLst>
+            <pc:docMk/>
+            <pc:sldMk cId="2529531283" sldId="282"/>
+            <ac:spMk id="3" creationId="{8156DFA7-B6B0-AC92-26DD-D072B4D14091}"/>
           </ac:spMkLst>
         </pc:spChg>
         <pc:spChg chg="add del mod">
@@ -1000,6 +1167,14 @@
             <ac:spMk id="412" creationId="{79529950-4096-3628-90AF-03815D6ADB35}"/>
           </ac:spMkLst>
         </pc:spChg>
+        <pc:spChg chg="del">
+          <ac:chgData name="Nicholas Fox" userId="c15c04019fc658d6" providerId="LiveId" clId="{22890EDA-8C02-4714-918F-9E214252E4F0}" dt="2025-02-21T17:08:27.438" v="4430" actId="478"/>
+          <ac:spMkLst>
+            <pc:docMk/>
+            <pc:sldMk cId="2529531283" sldId="282"/>
+            <ac:spMk id="413" creationId="{7A891112-EB7D-EF94-93EB-7657FD30C71A}"/>
+          </ac:spMkLst>
+        </pc:spChg>
       </pc:sldChg>
       <pc:sldChg chg="delSp modSp add del mod">
         <pc:chgData name="Nicholas Fox" userId="c15c04019fc658d6" providerId="LiveId" clId="{22890EDA-8C02-4714-918F-9E214252E4F0}" dt="2025-02-20T22:24:02.265" v="2927" actId="47"/>
@@ -1041,11 +1216,19 @@
         </pc:spChg>
       </pc:sldChg>
       <pc:sldChg chg="addSp delSp modSp add mod ord">
-        <pc:chgData name="Nicholas Fox" userId="c15c04019fc658d6" providerId="LiveId" clId="{22890EDA-8C02-4714-918F-9E214252E4F0}" dt="2025-02-20T22:24:43.703" v="2990" actId="20577"/>
+        <pc:chgData name="Nicholas Fox" userId="c15c04019fc658d6" providerId="LiveId" clId="{22890EDA-8C02-4714-918F-9E214252E4F0}" dt="2025-02-21T17:08:52.914" v="4443"/>
         <pc:sldMkLst>
           <pc:docMk/>
           <pc:sldMk cId="269649149" sldId="284"/>
         </pc:sldMkLst>
+        <pc:spChg chg="add mod">
+          <ac:chgData name="Nicholas Fox" userId="c15c04019fc658d6" providerId="LiveId" clId="{22890EDA-8C02-4714-918F-9E214252E4F0}" dt="2025-02-21T17:08:52.914" v="4443"/>
+          <ac:spMkLst>
+            <pc:docMk/>
+            <pc:sldMk cId="269649149" sldId="284"/>
+            <ac:spMk id="2" creationId="{8FFC939C-55D8-C9F1-A8BA-6D23BADF7E32}"/>
+          </ac:spMkLst>
+        </pc:spChg>
         <pc:spChg chg="del">
           <ac:chgData name="Nicholas Fox" userId="c15c04019fc658d6" providerId="LiveId" clId="{22890EDA-8C02-4714-918F-9E214252E4F0}" dt="2025-02-20T21:56:47.486" v="1480" actId="478"/>
           <ac:spMkLst>
@@ -1140,6 +1323,14 @@
             <pc:docMk/>
             <pc:sldMk cId="269649149" sldId="284"/>
             <ac:spMk id="412" creationId="{AE869E1B-173A-263E-B9D1-267A3240B491}"/>
+          </ac:spMkLst>
+        </pc:spChg>
+        <pc:spChg chg="del">
+          <ac:chgData name="Nicholas Fox" userId="c15c04019fc658d6" providerId="LiveId" clId="{22890EDA-8C02-4714-918F-9E214252E4F0}" dt="2025-02-21T17:08:52.691" v="4442" actId="478"/>
+          <ac:spMkLst>
+            <pc:docMk/>
+            <pc:sldMk cId="269649149" sldId="284"/>
+            <ac:spMk id="413" creationId="{03F6C145-F358-AE78-9E0B-1A438CEF88E1}"/>
           </ac:spMkLst>
         </pc:spChg>
       </pc:sldChg>
@@ -1301,12 +1492,20 @@
           </ac:spMkLst>
         </pc:spChg>
       </pc:sldChg>
-      <pc:sldChg chg="modSp add mod">
-        <pc:chgData name="Nicholas Fox" userId="c15c04019fc658d6" providerId="LiveId" clId="{22890EDA-8C02-4714-918F-9E214252E4F0}" dt="2025-02-20T22:30:10.952" v="3309" actId="20577"/>
+      <pc:sldChg chg="addSp delSp modSp add mod">
+        <pc:chgData name="Nicholas Fox" userId="c15c04019fc658d6" providerId="LiveId" clId="{22890EDA-8C02-4714-918F-9E214252E4F0}" dt="2025-02-21T17:08:57.093" v="4445"/>
         <pc:sldMkLst>
           <pc:docMk/>
           <pc:sldMk cId="4050005186" sldId="286"/>
         </pc:sldMkLst>
+        <pc:spChg chg="add mod">
+          <ac:chgData name="Nicholas Fox" userId="c15c04019fc658d6" providerId="LiveId" clId="{22890EDA-8C02-4714-918F-9E214252E4F0}" dt="2025-02-21T17:08:57.093" v="4445"/>
+          <ac:spMkLst>
+            <pc:docMk/>
+            <pc:sldMk cId="4050005186" sldId="286"/>
+            <ac:spMk id="2" creationId="{028A62C4-816E-E50B-83D3-55B7B7E3355B}"/>
+          </ac:spMkLst>
+        </pc:spChg>
         <pc:spChg chg="mod">
           <ac:chgData name="Nicholas Fox" userId="c15c04019fc658d6" providerId="LiveId" clId="{22890EDA-8C02-4714-918F-9E214252E4F0}" dt="2025-02-20T22:23:19.561" v="2889" actId="20577"/>
           <ac:spMkLst>
@@ -1339,8 +1538,8 @@
             <ac:spMk id="410" creationId="{2AD86F87-08DD-CF38-5A80-75947423BAC8}"/>
           </ac:spMkLst>
         </pc:spChg>
-        <pc:spChg chg="mod">
-          <ac:chgData name="Nicholas Fox" userId="c15c04019fc658d6" providerId="LiveId" clId="{22890EDA-8C02-4714-918F-9E214252E4F0}" dt="2025-02-20T22:23:03.795" v="2856" actId="1076"/>
+        <pc:spChg chg="del mod">
+          <ac:chgData name="Nicholas Fox" userId="c15c04019fc658d6" providerId="LiveId" clId="{22890EDA-8C02-4714-918F-9E214252E4F0}" dt="2025-02-21T17:08:56.902" v="4444" actId="478"/>
           <ac:spMkLst>
             <pc:docMk/>
             <pc:sldMk cId="4050005186" sldId="286"/>
@@ -1349,7 +1548,7 @@
         </pc:spChg>
       </pc:sldChg>
       <pc:sldChg chg="addSp delSp modSp add mod">
-        <pc:chgData name="Nicholas Fox" userId="c15c04019fc658d6" providerId="LiveId" clId="{22890EDA-8C02-4714-918F-9E214252E4F0}" dt="2025-02-20T22:39:48.370" v="4164" actId="1035"/>
+        <pc:chgData name="Nicholas Fox" userId="c15c04019fc658d6" providerId="LiveId" clId="{22890EDA-8C02-4714-918F-9E214252E4F0}" dt="2025-02-21T17:08:44.499" v="4439"/>
         <pc:sldMkLst>
           <pc:docMk/>
           <pc:sldMk cId="3059714437" sldId="287"/>
@@ -1384,6 +1583,14 @@
             <pc:docMk/>
             <pc:sldMk cId="3059714437" sldId="287"/>
             <ac:spMk id="5" creationId="{9BCEDC43-E43D-9293-6FEC-727BF570E786}"/>
+          </ac:spMkLst>
+        </pc:spChg>
+        <pc:spChg chg="add mod">
+          <ac:chgData name="Nicholas Fox" userId="c15c04019fc658d6" providerId="LiveId" clId="{22890EDA-8C02-4714-918F-9E214252E4F0}" dt="2025-02-21T17:08:44.499" v="4439"/>
+          <ac:spMkLst>
+            <pc:docMk/>
+            <pc:sldMk cId="3059714437" sldId="287"/>
+            <ac:spMk id="6" creationId="{23F80421-E6F5-42C8-152B-AF766F577EDD}"/>
           </ac:spMkLst>
         </pc:spChg>
         <pc:spChg chg="del">
@@ -1474,6 +1681,14 @@
             <ac:spMk id="345" creationId="{E616BD5C-2412-1719-2EB7-35148E75E202}"/>
           </ac:spMkLst>
         </pc:spChg>
+        <pc:spChg chg="del">
+          <ac:chgData name="Nicholas Fox" userId="c15c04019fc658d6" providerId="LiveId" clId="{22890EDA-8C02-4714-918F-9E214252E4F0}" dt="2025-02-21T17:08:44.301" v="4438" actId="478"/>
+          <ac:spMkLst>
+            <pc:docMk/>
+            <pc:sldMk cId="3059714437" sldId="287"/>
+            <ac:spMk id="413" creationId="{AFC20AC4-D4F3-E123-4B34-ECAB36EEC134}"/>
+          </ac:spMkLst>
+        </pc:spChg>
       </pc:sldChg>
       <pc:sldChg chg="add del">
         <pc:chgData name="Nicholas Fox" userId="c15c04019fc658d6" providerId="LiveId" clId="{22890EDA-8C02-4714-918F-9E214252E4F0}" dt="2025-02-20T22:17:15.857" v="2589" actId="47"/>
@@ -1483,11 +1698,19 @@
         </pc:sldMkLst>
       </pc:sldChg>
       <pc:sldChg chg="addSp delSp modSp add mod">
-        <pc:chgData name="Nicholas Fox" userId="c15c04019fc658d6" providerId="LiveId" clId="{22890EDA-8C02-4714-918F-9E214252E4F0}" dt="2025-02-20T22:41:52.162" v="4293" actId="20577"/>
+        <pc:chgData name="Nicholas Fox" userId="c15c04019fc658d6" providerId="LiveId" clId="{22890EDA-8C02-4714-918F-9E214252E4F0}" dt="2025-02-21T17:08:48.614" v="4441"/>
         <pc:sldMkLst>
           <pc:docMk/>
           <pc:sldMk cId="1439773984" sldId="288"/>
         </pc:sldMkLst>
+        <pc:spChg chg="add mod">
+          <ac:chgData name="Nicholas Fox" userId="c15c04019fc658d6" providerId="LiveId" clId="{22890EDA-8C02-4714-918F-9E214252E4F0}" dt="2025-02-21T17:08:48.614" v="4441"/>
+          <ac:spMkLst>
+            <pc:docMk/>
+            <pc:sldMk cId="1439773984" sldId="288"/>
+            <ac:spMk id="2" creationId="{34A9A7E4-A65E-2C8A-7C66-78754D4C3809}"/>
+          </ac:spMkLst>
+        </pc:spChg>
         <pc:spChg chg="del">
           <ac:chgData name="Nicholas Fox" userId="c15c04019fc658d6" providerId="LiveId" clId="{22890EDA-8C02-4714-918F-9E214252E4F0}" dt="2025-02-20T22:39:57.983" v="4165" actId="478"/>
           <ac:spMkLst>
@@ -1576,9 +1799,17 @@
             <ac:spMk id="345" creationId="{368908EF-F825-1149-2E08-F1A89C280E52}"/>
           </ac:spMkLst>
         </pc:spChg>
+        <pc:spChg chg="del">
+          <ac:chgData name="Nicholas Fox" userId="c15c04019fc658d6" providerId="LiveId" clId="{22890EDA-8C02-4714-918F-9E214252E4F0}" dt="2025-02-21T17:08:48.274" v="4440" actId="478"/>
+          <ac:spMkLst>
+            <pc:docMk/>
+            <pc:sldMk cId="1439773984" sldId="288"/>
+            <ac:spMk id="413" creationId="{630E10EC-03B6-C0FC-7DD5-E1258A7C6364}"/>
+          </ac:spMkLst>
+        </pc:spChg>
       </pc:sldChg>
       <pc:sldChg chg="addSp delSp modSp add mod">
-        <pc:chgData name="Nicholas Fox" userId="c15c04019fc658d6" providerId="LiveId" clId="{22890EDA-8C02-4714-918F-9E214252E4F0}" dt="2025-02-20T22:41:27.254" v="4289" actId="20577"/>
+        <pc:chgData name="Nicholas Fox" userId="c15c04019fc658d6" providerId="LiveId" clId="{22890EDA-8C02-4714-918F-9E214252E4F0}" dt="2025-02-21T17:08:40.413" v="4437"/>
         <pc:sldMkLst>
           <pc:docMk/>
           <pc:sldMk cId="371948029" sldId="289"/>
@@ -1623,6 +1854,14 @@
             <ac:spMk id="17" creationId="{12F70FA4-B363-03F0-757F-B5D197088785}"/>
           </ac:spMkLst>
         </pc:spChg>
+        <pc:spChg chg="add mod">
+          <ac:chgData name="Nicholas Fox" userId="c15c04019fc658d6" providerId="LiveId" clId="{22890EDA-8C02-4714-918F-9E214252E4F0}" dt="2025-02-21T17:08:40.413" v="4437"/>
+          <ac:spMkLst>
+            <pc:docMk/>
+            <pc:sldMk cId="371948029" sldId="289"/>
+            <ac:spMk id="19" creationId="{60D430F0-F36D-8F44-0527-037EB98E678C}"/>
+          </ac:spMkLst>
+        </pc:spChg>
         <pc:spChg chg="mod">
           <ac:chgData name="Nicholas Fox" userId="c15c04019fc658d6" providerId="LiveId" clId="{22890EDA-8C02-4714-918F-9E214252E4F0}" dt="2025-02-20T22:32:49.023" v="3541" actId="20577"/>
           <ac:spMkLst>
@@ -1647,9 +1886,17 @@
             <ac:spMk id="409" creationId="{F3BFB974-6036-5D8F-5C63-9FE54E696903}"/>
           </ac:spMkLst>
         </pc:spChg>
+        <pc:spChg chg="del">
+          <ac:chgData name="Nicholas Fox" userId="c15c04019fc658d6" providerId="LiveId" clId="{22890EDA-8C02-4714-918F-9E214252E4F0}" dt="2025-02-21T17:08:40.092" v="4436" actId="478"/>
+          <ac:spMkLst>
+            <pc:docMk/>
+            <pc:sldMk cId="371948029" sldId="289"/>
+            <ac:spMk id="413" creationId="{7D2DD21E-4D02-4B77-3370-2154908142F6}"/>
+          </ac:spMkLst>
+        </pc:spChg>
       </pc:sldChg>
       <pc:sldChg chg="addSp delSp modSp add mod">
-        <pc:chgData name="Nicholas Fox" userId="c15c04019fc658d6" providerId="LiveId" clId="{22890EDA-8C02-4714-918F-9E214252E4F0}" dt="2025-02-20T22:40:56.262" v="4268" actId="478"/>
+        <pc:chgData name="Nicholas Fox" userId="c15c04019fc658d6" providerId="LiveId" clId="{22890EDA-8C02-4714-918F-9E214252E4F0}" dt="2025-02-21T17:08:32.684" v="4433"/>
         <pc:sldMkLst>
           <pc:docMk/>
           <pc:sldMk cId="2086558731" sldId="290"/>
@@ -1660,6 +1907,14 @@
             <pc:docMk/>
             <pc:sldMk cId="2086558731" sldId="290"/>
             <ac:spMk id="2" creationId="{A6E4EFE3-12BA-72E8-71AA-BFD4D35C61CD}"/>
+          </ac:spMkLst>
+        </pc:spChg>
+        <pc:spChg chg="add mod">
+          <ac:chgData name="Nicholas Fox" userId="c15c04019fc658d6" providerId="LiveId" clId="{22890EDA-8C02-4714-918F-9E214252E4F0}" dt="2025-02-21T17:08:32.684" v="4433"/>
+          <ac:spMkLst>
+            <pc:docMk/>
+            <pc:sldMk cId="2086558731" sldId="290"/>
+            <ac:spMk id="2" creationId="{F2DE59D9-27B3-7744-1150-B5E576F250FF}"/>
           </ac:spMkLst>
         </pc:spChg>
         <pc:spChg chg="add del">
@@ -1796,6 +2051,14 @@
             <pc:docMk/>
             <pc:sldMk cId="2086558731" sldId="290"/>
             <ac:spMk id="410" creationId="{1F791B48-CC41-21D6-B9EC-6BBD07E61CD1}"/>
+          </ac:spMkLst>
+        </pc:spChg>
+        <pc:spChg chg="del">
+          <ac:chgData name="Nicholas Fox" userId="c15c04019fc658d6" providerId="LiveId" clId="{22890EDA-8C02-4714-918F-9E214252E4F0}" dt="2025-02-21T17:08:32.397" v="4432" actId="478"/>
+          <ac:spMkLst>
+            <pc:docMk/>
+            <pc:sldMk cId="2086558731" sldId="290"/>
+            <ac:spMk id="413" creationId="{4F3DB7D3-8F2F-904F-4B53-D9F8D17BCA96}"/>
           </ac:spMkLst>
         </pc:spChg>
         <pc:grpChg chg="del">
@@ -12836,47 +13099,6 @@
       </p:grpSp>
       <p:sp>
         <p:nvSpPr>
-          <p:cNvPr id="413" name="TextBox 412">
-            <a:extLst>
-              <a:ext uri="{FF2B5EF4-FFF2-40B4-BE49-F238E27FC236}">
-                <a16:creationId xmlns:a16="http://schemas.microsoft.com/office/drawing/2014/main" id="{8DA51C9B-6AF2-DDA8-6AAA-C4DFAD1B3B6D}"/>
-              </a:ext>
-            </a:extLst>
-          </p:cNvPr>
-          <p:cNvSpPr txBox="1"/>
-          <p:nvPr/>
-        </p:nvSpPr>
-        <p:spPr>
-          <a:xfrm>
-            <a:off x="571500" y="685800"/>
-            <a:ext cx="13723027" cy="1384995"/>
-          </a:xfrm>
-          <a:prstGeom prst="rect">
-            <a:avLst/>
-          </a:prstGeom>
-          <a:noFill/>
-        </p:spPr>
-        <p:txBody>
-          <a:bodyPr wrap="none" lIns="0" tIns="0" rIns="0" bIns="0" rtlCol="0">
-            <a:noAutofit/>
-          </a:bodyPr>
-          <a:lstStyle/>
-          <a:p>
-            <a:r>
-              <a:rPr lang="en-US" sz="9000" dirty="0">
-                <a:solidFill>
-                  <a:schemeClr val="bg1"/>
-                </a:solidFill>
-                <a:latin typeface="Courier New" panose="02070309020205020404" pitchFamily="49" charset="0"/>
-                <a:cs typeface="Courier New" panose="02070309020205020404" pitchFamily="49" charset="0"/>
-              </a:rPr>
-              <a:t>&gt;Layout</a:t>
-            </a:r>
-          </a:p>
-        </p:txBody>
-      </p:sp>
-      <p:sp>
-        <p:nvSpPr>
           <p:cNvPr id="2" name="TextBox 1">
             <a:extLst>
               <a:ext uri="{FF2B5EF4-FFF2-40B4-BE49-F238E27FC236}">
@@ -13091,8 +13313,144 @@
                 <a:latin typeface="Courier New" panose="02070309020205020404" pitchFamily="49" charset="0"/>
                 <a:cs typeface="Courier New" panose="02070309020205020404" pitchFamily="49" charset="0"/>
               </a:rPr>
-              <a:t> v1.2</a:t>
+              <a:t> v1.1</a:t>
             </a:r>
+          </a:p>
+        </p:txBody>
+      </p:sp>
+      <p:sp>
+        <p:nvSpPr>
+          <p:cNvPr id="3" name="TextBox 2">
+            <a:extLst>
+              <a:ext uri="{FF2B5EF4-FFF2-40B4-BE49-F238E27FC236}">
+                <a16:creationId xmlns:a16="http://schemas.microsoft.com/office/drawing/2014/main" id="{48676236-90D0-FB75-05BD-8421E1F7FFE3}"/>
+              </a:ext>
+            </a:extLst>
+          </p:cNvPr>
+          <p:cNvSpPr txBox="1"/>
+          <p:nvPr/>
+        </p:nvSpPr>
+        <p:spPr>
+          <a:xfrm rot="155561">
+            <a:off x="4828478" y="10438649"/>
+            <a:ext cx="6736255" cy="1384995"/>
+          </a:xfrm>
+          <a:prstGeom prst="rect">
+            <a:avLst/>
+          </a:prstGeom>
+          <a:solidFill>
+            <a:schemeClr val="tx1">
+              <a:alpha val="74000"/>
+            </a:schemeClr>
+          </a:solidFill>
+        </p:spPr>
+        <p:txBody>
+          <a:bodyPr wrap="square" lIns="0" tIns="0" rIns="0" bIns="0" rtlCol="0">
+            <a:spAutoFit/>
+          </a:bodyPr>
+          <a:lstStyle/>
+          <a:p>
+            <a:r>
+              <a:rPr lang="en-US" sz="9000" dirty="0">
+                <a:solidFill>
+                  <a:schemeClr val="accent2">
+                    <a:lumMod val="75000"/>
+                  </a:schemeClr>
+                </a:solidFill>
+                <a:latin typeface="Courier New" panose="02070309020205020404" pitchFamily="49" charset="0"/>
+                <a:cs typeface="Courier New" panose="02070309020205020404" pitchFamily="49" charset="0"/>
+              </a:rPr>
+              <a:t>_</a:t>
+            </a:r>
+            <a:r>
+              <a:rPr lang="en-US" sz="9000" dirty="0" err="1">
+                <a:solidFill>
+                  <a:schemeClr val="accent2">
+                    <a:lumMod val="75000"/>
+                  </a:schemeClr>
+                </a:solidFill>
+                <a:latin typeface="Courier New" panose="02070309020205020404" pitchFamily="49" charset="0"/>
+                <a:cs typeface="Courier New" panose="02070309020205020404" pitchFamily="49" charset="0"/>
+              </a:rPr>
+              <a:t>show_HUD</a:t>
+            </a:r>
+            <a:endParaRPr lang="en-US" sz="9000" dirty="0">
+              <a:solidFill>
+                <a:schemeClr val="accent2">
+                  <a:lumMod val="75000"/>
+                </a:schemeClr>
+              </a:solidFill>
+              <a:latin typeface="Courier New" panose="02070309020205020404" pitchFamily="49" charset="0"/>
+              <a:cs typeface="Courier New" panose="02070309020205020404" pitchFamily="49" charset="0"/>
+            </a:endParaRPr>
+          </a:p>
+        </p:txBody>
+      </p:sp>
+      <p:sp>
+        <p:nvSpPr>
+          <p:cNvPr id="6" name="TextBox 5">
+            <a:extLst>
+              <a:ext uri="{FF2B5EF4-FFF2-40B4-BE49-F238E27FC236}">
+                <a16:creationId xmlns:a16="http://schemas.microsoft.com/office/drawing/2014/main" id="{322BF60E-2E50-9A7F-AFCB-7D08C0D5A5C9}"/>
+              </a:ext>
+            </a:extLst>
+          </p:cNvPr>
+          <p:cNvSpPr txBox="1"/>
+          <p:nvPr/>
+        </p:nvSpPr>
+        <p:spPr>
+          <a:xfrm rot="155561">
+            <a:off x="1133441" y="3985022"/>
+            <a:ext cx="10873773" cy="1384995"/>
+          </a:xfrm>
+          <a:prstGeom prst="rect">
+            <a:avLst/>
+          </a:prstGeom>
+          <a:solidFill>
+            <a:schemeClr val="tx1">
+              <a:alpha val="74000"/>
+            </a:schemeClr>
+          </a:solidFill>
+        </p:spPr>
+        <p:txBody>
+          <a:bodyPr wrap="square" lIns="0" tIns="0" rIns="0" bIns="0" rtlCol="0">
+            <a:spAutoFit/>
+          </a:bodyPr>
+          <a:lstStyle/>
+          <a:p>
+            <a:r>
+              <a:rPr lang="en-US" sz="9000" dirty="0">
+                <a:solidFill>
+                  <a:schemeClr val="accent2">
+                    <a:lumMod val="75000"/>
+                  </a:schemeClr>
+                </a:solidFill>
+                <a:latin typeface="Courier New" panose="02070309020205020404" pitchFamily="49" charset="0"/>
+                <a:cs typeface="Courier New" panose="02070309020205020404" pitchFamily="49" charset="0"/>
+              </a:rPr>
+              <a:t>_</a:t>
+            </a:r>
+            <a:r>
+              <a:rPr lang="en-US" sz="9000" dirty="0" err="1">
+                <a:solidFill>
+                  <a:schemeClr val="accent2">
+                    <a:lumMod val="75000"/>
+                  </a:schemeClr>
+                </a:solidFill>
+                <a:latin typeface="Courier New" panose="02070309020205020404" pitchFamily="49" charset="0"/>
+                <a:cs typeface="Courier New" panose="02070309020205020404" pitchFamily="49" charset="0"/>
+              </a:rPr>
+              <a:t>show_dashboard</a:t>
+            </a:r>
+            <a:endParaRPr lang="en-US" sz="9000" dirty="0">
+              <a:solidFill>
+                <a:schemeClr val="accent2">
+                  <a:lumMod val="75000"/>
+                </a:schemeClr>
+              </a:solidFill>
+              <a:latin typeface="Courier New" panose="02070309020205020404" pitchFamily="49" charset="0"/>
+              <a:cs typeface="Courier New" panose="02070309020205020404" pitchFamily="49" charset="0"/>
+            </a:endParaRPr>
           </a:p>
         </p:txBody>
       </p:sp>
@@ -13169,47 +13527,6 @@
                 <a:cs typeface="Courier New" panose="02070309020205020404" pitchFamily="49" charset="0"/>
               </a:rPr>
               <a:t>Microtonal scale ... Layout</a:t>
-            </a:r>
-          </a:p>
-        </p:txBody>
-      </p:sp>
-      <p:sp>
-        <p:nvSpPr>
-          <p:cNvPr id="413" name="TextBox 412">
-            <a:extLst>
-              <a:ext uri="{FF2B5EF4-FFF2-40B4-BE49-F238E27FC236}">
-                <a16:creationId xmlns:a16="http://schemas.microsoft.com/office/drawing/2014/main" id="{AFC20AC4-D4F3-E123-4B34-ECAB36EEC134}"/>
-              </a:ext>
-            </a:extLst>
-          </p:cNvPr>
-          <p:cNvSpPr txBox="1"/>
-          <p:nvPr/>
-        </p:nvSpPr>
-        <p:spPr>
-          <a:xfrm>
-            <a:off x="571500" y="685800"/>
-            <a:ext cx="13723027" cy="1384995"/>
-          </a:xfrm>
-          <a:prstGeom prst="rect">
-            <a:avLst/>
-          </a:prstGeom>
-          <a:noFill/>
-        </p:spPr>
-        <p:txBody>
-          <a:bodyPr wrap="none" lIns="0" tIns="0" rIns="0" bIns="0" rtlCol="0">
-            <a:noAutofit/>
-          </a:bodyPr>
-          <a:lstStyle/>
-          <a:p>
-            <a:r>
-              <a:rPr lang="en-US" sz="9000" dirty="0">
-                <a:solidFill>
-                  <a:schemeClr val="bg1"/>
-                </a:solidFill>
-                <a:latin typeface="Courier New" panose="02070309020205020404" pitchFamily="49" charset="0"/>
-                <a:cs typeface="Courier New" panose="02070309020205020404" pitchFamily="49" charset="0"/>
-              </a:rPr>
-              <a:t>&lt;</a:t>
             </a:r>
           </a:p>
         </p:txBody>
@@ -13786,6 +14103,47 @@
           </a:p>
         </p:txBody>
       </p:sp>
+      <p:sp>
+        <p:nvSpPr>
+          <p:cNvPr id="6" name="TextBox 5">
+            <a:extLst>
+              <a:ext uri="{FF2B5EF4-FFF2-40B4-BE49-F238E27FC236}">
+                <a16:creationId xmlns:a16="http://schemas.microsoft.com/office/drawing/2014/main" id="{23F80421-E6F5-42C8-152B-AF766F577EDD}"/>
+              </a:ext>
+            </a:extLst>
+          </p:cNvPr>
+          <p:cNvSpPr txBox="1"/>
+          <p:nvPr/>
+        </p:nvSpPr>
+        <p:spPr>
+          <a:xfrm>
+            <a:off x="571500" y="685800"/>
+            <a:ext cx="13723027" cy="1384995"/>
+          </a:xfrm>
+          <a:prstGeom prst="rect">
+            <a:avLst/>
+          </a:prstGeom>
+          <a:noFill/>
+        </p:spPr>
+        <p:txBody>
+          <a:bodyPr wrap="none" lIns="0" tIns="0" rIns="0" bIns="0" rtlCol="0">
+            <a:noAutofit/>
+          </a:bodyPr>
+          <a:lstStyle/>
+          <a:p>
+            <a:r>
+              <a:rPr lang="en-US" sz="9000" dirty="0">
+                <a:solidFill>
+                  <a:schemeClr val="bg1"/>
+                </a:solidFill>
+                <a:latin typeface="Courier New" panose="02070309020205020404" pitchFamily="49" charset="0"/>
+                <a:cs typeface="Courier New" panose="02070309020205020404" pitchFamily="49" charset="0"/>
+              </a:rPr>
+              <a:t>◄</a:t>
+            </a:r>
+          </a:p>
+        </p:txBody>
+      </p:sp>
     </p:spTree>
     <p:extLst>
       <p:ext uri="{BB962C8B-B14F-4D97-AF65-F5344CB8AC3E}">
@@ -13859,47 +14217,6 @@
                 <a:cs typeface="Courier New" panose="02070309020205020404" pitchFamily="49" charset="0"/>
               </a:rPr>
               <a:t>Just intonation lattice</a:t>
-            </a:r>
-          </a:p>
-        </p:txBody>
-      </p:sp>
-      <p:sp>
-        <p:nvSpPr>
-          <p:cNvPr id="413" name="TextBox 412">
-            <a:extLst>
-              <a:ext uri="{FF2B5EF4-FFF2-40B4-BE49-F238E27FC236}">
-                <a16:creationId xmlns:a16="http://schemas.microsoft.com/office/drawing/2014/main" id="{630E10EC-03B6-C0FC-7DD5-E1258A7C6364}"/>
-              </a:ext>
-            </a:extLst>
-          </p:cNvPr>
-          <p:cNvSpPr txBox="1"/>
-          <p:nvPr/>
-        </p:nvSpPr>
-        <p:spPr>
-          <a:xfrm>
-            <a:off x="571500" y="685800"/>
-            <a:ext cx="13723027" cy="1384995"/>
-          </a:xfrm>
-          <a:prstGeom prst="rect">
-            <a:avLst/>
-          </a:prstGeom>
-          <a:noFill/>
-        </p:spPr>
-        <p:txBody>
-          <a:bodyPr wrap="none" lIns="0" tIns="0" rIns="0" bIns="0" rtlCol="0">
-            <a:noAutofit/>
-          </a:bodyPr>
-          <a:lstStyle/>
-          <a:p>
-            <a:r>
-              <a:rPr lang="en-US" sz="9000" dirty="0">
-                <a:solidFill>
-                  <a:schemeClr val="bg1"/>
-                </a:solidFill>
-                <a:latin typeface="Courier New" panose="02070309020205020404" pitchFamily="49" charset="0"/>
-                <a:cs typeface="Courier New" panose="02070309020205020404" pitchFamily="49" charset="0"/>
-              </a:rPr>
-              <a:t>&lt;</a:t>
             </a:r>
           </a:p>
         </p:txBody>
@@ -14516,6 +14833,47 @@
           </a:p>
         </p:txBody>
       </p:sp>
+      <p:sp>
+        <p:nvSpPr>
+          <p:cNvPr id="2" name="TextBox 1">
+            <a:extLst>
+              <a:ext uri="{FF2B5EF4-FFF2-40B4-BE49-F238E27FC236}">
+                <a16:creationId xmlns:a16="http://schemas.microsoft.com/office/drawing/2014/main" id="{34A9A7E4-A65E-2C8A-7C66-78754D4C3809}"/>
+              </a:ext>
+            </a:extLst>
+          </p:cNvPr>
+          <p:cNvSpPr txBox="1"/>
+          <p:nvPr/>
+        </p:nvSpPr>
+        <p:spPr>
+          <a:xfrm>
+            <a:off x="571500" y="685800"/>
+            <a:ext cx="13723027" cy="1384995"/>
+          </a:xfrm>
+          <a:prstGeom prst="rect">
+            <a:avLst/>
+          </a:prstGeom>
+          <a:noFill/>
+        </p:spPr>
+        <p:txBody>
+          <a:bodyPr wrap="none" lIns="0" tIns="0" rIns="0" bIns="0" rtlCol="0">
+            <a:noAutofit/>
+          </a:bodyPr>
+          <a:lstStyle/>
+          <a:p>
+            <a:r>
+              <a:rPr lang="en-US" sz="9000" dirty="0">
+                <a:solidFill>
+                  <a:schemeClr val="bg1"/>
+                </a:solidFill>
+                <a:latin typeface="Courier New" panose="02070309020205020404" pitchFamily="49" charset="0"/>
+                <a:cs typeface="Courier New" panose="02070309020205020404" pitchFamily="49" charset="0"/>
+              </a:rPr>
+              <a:t>◄</a:t>
+            </a:r>
+          </a:p>
+        </p:txBody>
+      </p:sp>
     </p:spTree>
     <p:extLst>
       <p:ext uri="{BB962C8B-B14F-4D97-AF65-F5344CB8AC3E}">
@@ -14759,47 +15117,6 @@
       </p:sp>
       <p:sp>
         <p:nvSpPr>
-          <p:cNvPr id="413" name="TextBox 412">
-            <a:extLst>
-              <a:ext uri="{FF2B5EF4-FFF2-40B4-BE49-F238E27FC236}">
-                <a16:creationId xmlns:a16="http://schemas.microsoft.com/office/drawing/2014/main" id="{03F6C145-F358-AE78-9E0B-1A438CEF88E1}"/>
-              </a:ext>
-            </a:extLst>
-          </p:cNvPr>
-          <p:cNvSpPr txBox="1"/>
-          <p:nvPr/>
-        </p:nvSpPr>
-        <p:spPr>
-          <a:xfrm>
-            <a:off x="571500" y="685800"/>
-            <a:ext cx="13723027" cy="1384995"/>
-          </a:xfrm>
-          <a:prstGeom prst="rect">
-            <a:avLst/>
-          </a:prstGeom>
-          <a:noFill/>
-        </p:spPr>
-        <p:txBody>
-          <a:bodyPr wrap="none" lIns="0" tIns="0" rIns="0" bIns="0" rtlCol="0">
-            <a:noAutofit/>
-          </a:bodyPr>
-          <a:lstStyle/>
-          <a:p>
-            <a:r>
-              <a:rPr lang="en-US" sz="9000" dirty="0">
-                <a:solidFill>
-                  <a:schemeClr val="bg1"/>
-                </a:solidFill>
-                <a:latin typeface="Courier New" panose="02070309020205020404" pitchFamily="49" charset="0"/>
-                <a:cs typeface="Courier New" panose="02070309020205020404" pitchFamily="49" charset="0"/>
-              </a:rPr>
-              <a:t>&lt;</a:t>
-            </a:r>
-          </a:p>
-        </p:txBody>
-      </p:sp>
-      <p:sp>
-        <p:nvSpPr>
           <p:cNvPr id="5" name="TextBox 4">
             <a:extLst>
               <a:ext uri="{FF2B5EF4-FFF2-40B4-BE49-F238E27FC236}">
@@ -14876,6 +15193,47 @@
                 <a:cs typeface="Courier New" panose="02070309020205020404" pitchFamily="49" charset="0"/>
               </a:rPr>
               <a:t>          1200.0000</a:t>
+            </a:r>
+          </a:p>
+        </p:txBody>
+      </p:sp>
+      <p:sp>
+        <p:nvSpPr>
+          <p:cNvPr id="2" name="TextBox 1">
+            <a:extLst>
+              <a:ext uri="{FF2B5EF4-FFF2-40B4-BE49-F238E27FC236}">
+                <a16:creationId xmlns:a16="http://schemas.microsoft.com/office/drawing/2014/main" id="{8FFC939C-55D8-C9F1-A8BA-6D23BADF7E32}"/>
+              </a:ext>
+            </a:extLst>
+          </p:cNvPr>
+          <p:cNvSpPr txBox="1"/>
+          <p:nvPr/>
+        </p:nvSpPr>
+        <p:spPr>
+          <a:xfrm>
+            <a:off x="571500" y="685800"/>
+            <a:ext cx="13723027" cy="1384995"/>
+          </a:xfrm>
+          <a:prstGeom prst="rect">
+            <a:avLst/>
+          </a:prstGeom>
+          <a:noFill/>
+        </p:spPr>
+        <p:txBody>
+          <a:bodyPr wrap="none" lIns="0" tIns="0" rIns="0" bIns="0" rtlCol="0">
+            <a:noAutofit/>
+          </a:bodyPr>
+          <a:lstStyle/>
+          <a:p>
+            <a:r>
+              <a:rPr lang="en-US" sz="9000" dirty="0">
+                <a:solidFill>
+                  <a:schemeClr val="bg1"/>
+                </a:solidFill>
+                <a:latin typeface="Courier New" panose="02070309020205020404" pitchFamily="49" charset="0"/>
+                <a:cs typeface="Courier New" panose="02070309020205020404" pitchFamily="49" charset="0"/>
+              </a:rPr>
+              <a:t>◄</a:t>
             </a:r>
           </a:p>
         </p:txBody>
@@ -15082,10 +15440,10 @@
       </p:sp>
       <p:sp>
         <p:nvSpPr>
-          <p:cNvPr id="413" name="TextBox 412">
+          <p:cNvPr id="2" name="TextBox 1">
             <a:extLst>
               <a:ext uri="{FF2B5EF4-FFF2-40B4-BE49-F238E27FC236}">
-                <a16:creationId xmlns:a16="http://schemas.microsoft.com/office/drawing/2014/main" id="{D7A93F79-F2EE-5706-7347-6E942C79A58B}"/>
+                <a16:creationId xmlns:a16="http://schemas.microsoft.com/office/drawing/2014/main" id="{028A62C4-816E-E50B-83D3-55B7B7E3355B}"/>
               </a:ext>
             </a:extLst>
           </p:cNvPr>
@@ -15116,7 +15474,7 @@
                 <a:latin typeface="Courier New" panose="02070309020205020404" pitchFamily="49" charset="0"/>
                 <a:cs typeface="Courier New" panose="02070309020205020404" pitchFamily="49" charset="0"/>
               </a:rPr>
-              <a:t>&lt;</a:t>
+              <a:t>◄</a:t>
             </a:r>
           </a:p>
         </p:txBody>
@@ -15197,7 +15555,7 @@
                 <a:latin typeface="Courier New" panose="02070309020205020404" pitchFamily="49" charset="0"/>
                 <a:cs typeface="Courier New" panose="02070309020205020404" pitchFamily="49" charset="0"/>
               </a:rPr>
-              <a:t> v1.2</a:t>
+              <a:t> v1.1</a:t>
             </a:r>
           </a:p>
         </p:txBody>
@@ -15238,7 +15596,7 @@
                 <a:latin typeface="Courier New" panose="02070309020205020404" pitchFamily="49" charset="0"/>
                 <a:cs typeface="Courier New" panose="02070309020205020404" pitchFamily="49" charset="0"/>
               </a:rPr>
-              <a:t>&gt;MIDI &amp; Synth</a:t>
+              <a:t>MIDI &amp; Synth       ►</a:t>
             </a:r>
           </a:p>
         </p:txBody>
@@ -15279,7 +15637,7 @@
                 <a:latin typeface="Courier New" panose="02070309020205020404" pitchFamily="49" charset="0"/>
                 <a:cs typeface="Courier New" panose="02070309020205020404" pitchFamily="49" charset="0"/>
               </a:rPr>
-              <a:t>&gt;Appearance</a:t>
+              <a:t>Appearance         ►</a:t>
             </a:r>
           </a:p>
         </p:txBody>
@@ -22901,7 +23259,7 @@
                 <a:latin typeface="Courier New" panose="02070309020205020404" pitchFamily="49" charset="0"/>
                 <a:cs typeface="Courier New" panose="02070309020205020404" pitchFamily="49" charset="0"/>
               </a:rPr>
-              <a:t>&gt;Hardware</a:t>
+              <a:t>Hardware           ►</a:t>
             </a:r>
           </a:p>
         </p:txBody>
@@ -22942,7 +23300,7 @@
                 <a:latin typeface="Courier New" panose="02070309020205020404" pitchFamily="49" charset="0"/>
                 <a:cs typeface="Courier New" panose="02070309020205020404" pitchFamily="49" charset="0"/>
               </a:rPr>
-              <a:t>&gt;Load preset...</a:t>
+              <a:t>Save preset...     ►</a:t>
             </a:r>
           </a:p>
         </p:txBody>
@@ -22983,7 +23341,7 @@
                 <a:latin typeface="Courier New" panose="02070309020205020404" pitchFamily="49" charset="0"/>
                 <a:cs typeface="Courier New" panose="02070309020205020404" pitchFamily="49" charset="0"/>
               </a:rPr>
-              <a:t>&gt;Save preset...</a:t>
+              <a:t>Load preset...     ►</a:t>
             </a:r>
           </a:p>
         </p:txBody>
@@ -23024,7 +23382,7 @@
                 <a:latin typeface="Courier New" panose="02070309020205020404" pitchFamily="49" charset="0"/>
                 <a:cs typeface="Courier New" panose="02070309020205020404" pitchFamily="49" charset="0"/>
               </a:rPr>
-              <a:t>&gt;Power off</a:t>
+              <a:t>Power off          ►</a:t>
             </a:r>
           </a:p>
         </p:txBody>
@@ -23065,7 +23423,7 @@
                 <a:latin typeface="Courier New" panose="02070309020205020404" pitchFamily="49" charset="0"/>
                 <a:cs typeface="Courier New" panose="02070309020205020404" pitchFamily="49" charset="0"/>
               </a:rPr>
-              <a:t>&gt;Layout &amp; Tuning</a:t>
+              <a:t>Layout &amp; Tuning    ►</a:t>
             </a:r>
           </a:p>
         </p:txBody>
@@ -31223,7 +31581,7 @@
                 <a:latin typeface="Courier New" panose="02070309020205020404" pitchFamily="49" charset="0"/>
                 <a:cs typeface="Courier New" panose="02070309020205020404" pitchFamily="49" charset="0"/>
               </a:rPr>
-              <a:t>&lt;</a:t>
+              <a:t>◄</a:t>
             </a:r>
           </a:p>
         </p:txBody>
@@ -39333,47 +39691,6 @@
       </p:sp>
       <p:sp>
         <p:nvSpPr>
-          <p:cNvPr id="413" name="TextBox 412">
-            <a:extLst>
-              <a:ext uri="{FF2B5EF4-FFF2-40B4-BE49-F238E27FC236}">
-                <a16:creationId xmlns:a16="http://schemas.microsoft.com/office/drawing/2014/main" id="{8DA51C9B-6AF2-DDA8-6AAA-C4DFAD1B3B6D}"/>
-              </a:ext>
-            </a:extLst>
-          </p:cNvPr>
-          <p:cNvSpPr txBox="1"/>
-          <p:nvPr/>
-        </p:nvSpPr>
-        <p:spPr>
-          <a:xfrm>
-            <a:off x="571500" y="685800"/>
-            <a:ext cx="13723027" cy="1384995"/>
-          </a:xfrm>
-          <a:prstGeom prst="rect">
-            <a:avLst/>
-          </a:prstGeom>
-          <a:noFill/>
-        </p:spPr>
-        <p:txBody>
-          <a:bodyPr wrap="none" lIns="0" tIns="0" rIns="0" bIns="0" rtlCol="0">
-            <a:noAutofit/>
-          </a:bodyPr>
-          <a:lstStyle/>
-          <a:p>
-            <a:r>
-              <a:rPr lang="en-US" sz="9000" dirty="0">
-                <a:solidFill>
-                  <a:schemeClr val="bg1"/>
-                </a:solidFill>
-                <a:latin typeface="Courier New" panose="02070309020205020404" pitchFamily="49" charset="0"/>
-                <a:cs typeface="Courier New" panose="02070309020205020404" pitchFamily="49" charset="0"/>
-              </a:rPr>
-              <a:t>&lt;</a:t>
-            </a:r>
-          </a:p>
-        </p:txBody>
-      </p:sp>
-      <p:sp>
-        <p:nvSpPr>
           <p:cNvPr id="414" name="TextBox 413">
             <a:extLst>
               <a:ext uri="{FF2B5EF4-FFF2-40B4-BE49-F238E27FC236}">
@@ -39577,6 +39894,47 @@
           </a:p>
         </p:txBody>
       </p:sp>
+      <p:sp>
+        <p:nvSpPr>
+          <p:cNvPr id="2" name="TextBox 1">
+            <a:extLst>
+              <a:ext uri="{FF2B5EF4-FFF2-40B4-BE49-F238E27FC236}">
+                <a16:creationId xmlns:a16="http://schemas.microsoft.com/office/drawing/2014/main" id="{4519D9DD-41D9-B678-C737-D20DC5380537}"/>
+              </a:ext>
+            </a:extLst>
+          </p:cNvPr>
+          <p:cNvSpPr txBox="1"/>
+          <p:nvPr/>
+        </p:nvSpPr>
+        <p:spPr>
+          <a:xfrm>
+            <a:off x="571500" y="685800"/>
+            <a:ext cx="13723027" cy="1384995"/>
+          </a:xfrm>
+          <a:prstGeom prst="rect">
+            <a:avLst/>
+          </a:prstGeom>
+          <a:noFill/>
+        </p:spPr>
+        <p:txBody>
+          <a:bodyPr wrap="none" lIns="0" tIns="0" rIns="0" bIns="0" rtlCol="0">
+            <a:noAutofit/>
+          </a:bodyPr>
+          <a:lstStyle/>
+          <a:p>
+            <a:r>
+              <a:rPr lang="en-US" sz="9000" dirty="0">
+                <a:solidFill>
+                  <a:schemeClr val="bg1"/>
+                </a:solidFill>
+                <a:latin typeface="Courier New" panose="02070309020205020404" pitchFamily="49" charset="0"/>
+                <a:cs typeface="Courier New" panose="02070309020205020404" pitchFamily="49" charset="0"/>
+              </a:rPr>
+              <a:t>◄</a:t>
+            </a:r>
+          </a:p>
+        </p:txBody>
+      </p:sp>
     </p:spTree>
     <p:extLst>
       <p:ext uri="{BB962C8B-B14F-4D97-AF65-F5344CB8AC3E}">
@@ -39732,47 +40090,6 @@
                 <a:cs typeface="Courier New" panose="02070309020205020404" pitchFamily="49" charset="0"/>
               </a:rPr>
               <a:t> </a:t>
-            </a:r>
-          </a:p>
-        </p:txBody>
-      </p:sp>
-      <p:sp>
-        <p:nvSpPr>
-          <p:cNvPr id="413" name="TextBox 412">
-            <a:extLst>
-              <a:ext uri="{FF2B5EF4-FFF2-40B4-BE49-F238E27FC236}">
-                <a16:creationId xmlns:a16="http://schemas.microsoft.com/office/drawing/2014/main" id="{F64361E0-01ED-3D5C-D13E-BB9B3536B0E1}"/>
-              </a:ext>
-            </a:extLst>
-          </p:cNvPr>
-          <p:cNvSpPr txBox="1"/>
-          <p:nvPr/>
-        </p:nvSpPr>
-        <p:spPr>
-          <a:xfrm>
-            <a:off x="571500" y="685800"/>
-            <a:ext cx="13723027" cy="1384995"/>
-          </a:xfrm>
-          <a:prstGeom prst="rect">
-            <a:avLst/>
-          </a:prstGeom>
-          <a:noFill/>
-        </p:spPr>
-        <p:txBody>
-          <a:bodyPr wrap="none" lIns="0" tIns="0" rIns="0" bIns="0" rtlCol="0">
-            <a:noAutofit/>
-          </a:bodyPr>
-          <a:lstStyle/>
-          <a:p>
-            <a:r>
-              <a:rPr lang="en-US" sz="9000" dirty="0">
-                <a:solidFill>
-                  <a:schemeClr val="bg1"/>
-                </a:solidFill>
-                <a:latin typeface="Courier New" panose="02070309020205020404" pitchFamily="49" charset="0"/>
-                <a:cs typeface="Courier New" panose="02070309020205020404" pitchFamily="49" charset="0"/>
-              </a:rPr>
-              <a:t>&lt;</a:t>
             </a:r>
           </a:p>
         </p:txBody>
@@ -40227,6 +40544,47 @@
           </a:p>
         </p:txBody>
       </p:sp>
+      <p:sp>
+        <p:nvSpPr>
+          <p:cNvPr id="4" name="TextBox 3">
+            <a:extLst>
+              <a:ext uri="{FF2B5EF4-FFF2-40B4-BE49-F238E27FC236}">
+                <a16:creationId xmlns:a16="http://schemas.microsoft.com/office/drawing/2014/main" id="{1FA78EBC-E79A-7644-3F74-85939C243078}"/>
+              </a:ext>
+            </a:extLst>
+          </p:cNvPr>
+          <p:cNvSpPr txBox="1"/>
+          <p:nvPr/>
+        </p:nvSpPr>
+        <p:spPr>
+          <a:xfrm>
+            <a:off x="571500" y="685800"/>
+            <a:ext cx="13723027" cy="1384995"/>
+          </a:xfrm>
+          <a:prstGeom prst="rect">
+            <a:avLst/>
+          </a:prstGeom>
+          <a:noFill/>
+        </p:spPr>
+        <p:txBody>
+          <a:bodyPr wrap="none" lIns="0" tIns="0" rIns="0" bIns="0" rtlCol="0">
+            <a:noAutofit/>
+          </a:bodyPr>
+          <a:lstStyle/>
+          <a:p>
+            <a:r>
+              <a:rPr lang="en-US" sz="9000" dirty="0">
+                <a:solidFill>
+                  <a:schemeClr val="bg1"/>
+                </a:solidFill>
+                <a:latin typeface="Courier New" panose="02070309020205020404" pitchFamily="49" charset="0"/>
+                <a:cs typeface="Courier New" panose="02070309020205020404" pitchFamily="49" charset="0"/>
+              </a:rPr>
+              <a:t>◄</a:t>
+            </a:r>
+          </a:p>
+        </p:txBody>
+      </p:sp>
     </p:spTree>
     <p:extLst>
       <p:ext uri="{BB962C8B-B14F-4D97-AF65-F5344CB8AC3E}">
@@ -40382,47 +40740,6 @@
                 <a:cs typeface="Courier New" panose="02070309020205020404" pitchFamily="49" charset="0"/>
               </a:rPr>
               <a:t>&gt;Dividing octave</a:t>
-            </a:r>
-          </a:p>
-        </p:txBody>
-      </p:sp>
-      <p:sp>
-        <p:nvSpPr>
-          <p:cNvPr id="413" name="TextBox 412">
-            <a:extLst>
-              <a:ext uri="{FF2B5EF4-FFF2-40B4-BE49-F238E27FC236}">
-                <a16:creationId xmlns:a16="http://schemas.microsoft.com/office/drawing/2014/main" id="{7A891112-EB7D-EF94-93EB-7657FD30C71A}"/>
-              </a:ext>
-            </a:extLst>
-          </p:cNvPr>
-          <p:cNvSpPr txBox="1"/>
-          <p:nvPr/>
-        </p:nvSpPr>
-        <p:spPr>
-          <a:xfrm>
-            <a:off x="571500" y="685800"/>
-            <a:ext cx="13723027" cy="1384995"/>
-          </a:xfrm>
-          <a:prstGeom prst="rect">
-            <a:avLst/>
-          </a:prstGeom>
-          <a:noFill/>
-        </p:spPr>
-        <p:txBody>
-          <a:bodyPr wrap="none" lIns="0" tIns="0" rIns="0" bIns="0" rtlCol="0">
-            <a:noAutofit/>
-          </a:bodyPr>
-          <a:lstStyle/>
-          <a:p>
-            <a:r>
-              <a:rPr lang="en-US" sz="9000" dirty="0">
-                <a:solidFill>
-                  <a:schemeClr val="bg1"/>
-                </a:solidFill>
-                <a:latin typeface="Courier New" panose="02070309020205020404" pitchFamily="49" charset="0"/>
-                <a:cs typeface="Courier New" panose="02070309020205020404" pitchFamily="49" charset="0"/>
-              </a:rPr>
-              <a:t>&lt;</a:t>
             </a:r>
           </a:p>
         </p:txBody>
@@ -40796,6 +41113,47 @@
           </a:p>
         </p:txBody>
       </p:sp>
+      <p:sp>
+        <p:nvSpPr>
+          <p:cNvPr id="3" name="TextBox 2">
+            <a:extLst>
+              <a:ext uri="{FF2B5EF4-FFF2-40B4-BE49-F238E27FC236}">
+                <a16:creationId xmlns:a16="http://schemas.microsoft.com/office/drawing/2014/main" id="{8156DFA7-B6B0-AC92-26DD-D072B4D14091}"/>
+              </a:ext>
+            </a:extLst>
+          </p:cNvPr>
+          <p:cNvSpPr txBox="1"/>
+          <p:nvPr/>
+        </p:nvSpPr>
+        <p:spPr>
+          <a:xfrm>
+            <a:off x="571500" y="685800"/>
+            <a:ext cx="13723027" cy="1384995"/>
+          </a:xfrm>
+          <a:prstGeom prst="rect">
+            <a:avLst/>
+          </a:prstGeom>
+          <a:noFill/>
+        </p:spPr>
+        <p:txBody>
+          <a:bodyPr wrap="none" lIns="0" tIns="0" rIns="0" bIns="0" rtlCol="0">
+            <a:noAutofit/>
+          </a:bodyPr>
+          <a:lstStyle/>
+          <a:p>
+            <a:r>
+              <a:rPr lang="en-US" sz="9000" dirty="0">
+                <a:solidFill>
+                  <a:schemeClr val="bg1"/>
+                </a:solidFill>
+                <a:latin typeface="Courier New" panose="02070309020205020404" pitchFamily="49" charset="0"/>
+                <a:cs typeface="Courier New" panose="02070309020205020404" pitchFamily="49" charset="0"/>
+              </a:rPr>
+              <a:t>◄</a:t>
+            </a:r>
+          </a:p>
+        </p:txBody>
+      </p:sp>
     </p:spTree>
     <p:extLst>
       <p:ext uri="{BB962C8B-B14F-4D97-AF65-F5344CB8AC3E}">
@@ -41033,47 +41391,6 @@
                 <a:cs typeface="Courier New" panose="02070309020205020404" pitchFamily="49" charset="0"/>
               </a:rPr>
               <a:t>MOS mode  0  bright</a:t>
-            </a:r>
-          </a:p>
-        </p:txBody>
-      </p:sp>
-      <p:sp>
-        <p:nvSpPr>
-          <p:cNvPr id="413" name="TextBox 412">
-            <a:extLst>
-              <a:ext uri="{FF2B5EF4-FFF2-40B4-BE49-F238E27FC236}">
-                <a16:creationId xmlns:a16="http://schemas.microsoft.com/office/drawing/2014/main" id="{4F3DB7D3-8F2F-904F-4B53-D9F8D17BCA96}"/>
-              </a:ext>
-            </a:extLst>
-          </p:cNvPr>
-          <p:cNvSpPr txBox="1"/>
-          <p:nvPr/>
-        </p:nvSpPr>
-        <p:spPr>
-          <a:xfrm>
-            <a:off x="571500" y="685800"/>
-            <a:ext cx="13723027" cy="1384995"/>
-          </a:xfrm>
-          <a:prstGeom prst="rect">
-            <a:avLst/>
-          </a:prstGeom>
-          <a:noFill/>
-        </p:spPr>
-        <p:txBody>
-          <a:bodyPr wrap="none" lIns="0" tIns="0" rIns="0" bIns="0" rtlCol="0">
-            <a:noAutofit/>
-          </a:bodyPr>
-          <a:lstStyle/>
-          <a:p>
-            <a:r>
-              <a:rPr lang="en-US" sz="9000" dirty="0">
-                <a:solidFill>
-                  <a:schemeClr val="bg1"/>
-                </a:solidFill>
-                <a:latin typeface="Courier New" panose="02070309020205020404" pitchFamily="49" charset="0"/>
-                <a:cs typeface="Courier New" panose="02070309020205020404" pitchFamily="49" charset="0"/>
-              </a:rPr>
-              <a:t>&lt;</a:t>
             </a:r>
           </a:p>
         </p:txBody>
@@ -41769,6 +42086,47 @@
           </a:p>
         </p:txBody>
       </p:sp>
+      <p:sp>
+        <p:nvSpPr>
+          <p:cNvPr id="2" name="TextBox 1">
+            <a:extLst>
+              <a:ext uri="{FF2B5EF4-FFF2-40B4-BE49-F238E27FC236}">
+                <a16:creationId xmlns:a16="http://schemas.microsoft.com/office/drawing/2014/main" id="{F2DE59D9-27B3-7744-1150-B5E576F250FF}"/>
+              </a:ext>
+            </a:extLst>
+          </p:cNvPr>
+          <p:cNvSpPr txBox="1"/>
+          <p:nvPr/>
+        </p:nvSpPr>
+        <p:spPr>
+          <a:xfrm>
+            <a:off x="571500" y="685800"/>
+            <a:ext cx="13723027" cy="1384995"/>
+          </a:xfrm>
+          <a:prstGeom prst="rect">
+            <a:avLst/>
+          </a:prstGeom>
+          <a:noFill/>
+        </p:spPr>
+        <p:txBody>
+          <a:bodyPr wrap="none" lIns="0" tIns="0" rIns="0" bIns="0" rtlCol="0">
+            <a:noAutofit/>
+          </a:bodyPr>
+          <a:lstStyle/>
+          <a:p>
+            <a:r>
+              <a:rPr lang="en-US" sz="9000" dirty="0">
+                <a:solidFill>
+                  <a:schemeClr val="bg1"/>
+                </a:solidFill>
+                <a:latin typeface="Courier New" panose="02070309020205020404" pitchFamily="49" charset="0"/>
+                <a:cs typeface="Courier New" panose="02070309020205020404" pitchFamily="49" charset="0"/>
+              </a:rPr>
+              <a:t>◄</a:t>
+            </a:r>
+          </a:p>
+        </p:txBody>
+      </p:sp>
     </p:spTree>
     <p:extLst>
       <p:ext uri="{BB962C8B-B14F-4D97-AF65-F5344CB8AC3E}">
@@ -42000,47 +42358,6 @@
                 <a:cs typeface="Courier New" panose="02070309020205020404" pitchFamily="49" charset="0"/>
               </a:rPr>
               <a:t>MOS mode  3</a:t>
-            </a:r>
-          </a:p>
-        </p:txBody>
-      </p:sp>
-      <p:sp>
-        <p:nvSpPr>
-          <p:cNvPr id="413" name="TextBox 412">
-            <a:extLst>
-              <a:ext uri="{FF2B5EF4-FFF2-40B4-BE49-F238E27FC236}">
-                <a16:creationId xmlns:a16="http://schemas.microsoft.com/office/drawing/2014/main" id="{8DA51C9B-6AF2-DDA8-6AAA-C4DFAD1B3B6D}"/>
-              </a:ext>
-            </a:extLst>
-          </p:cNvPr>
-          <p:cNvSpPr txBox="1"/>
-          <p:nvPr/>
-        </p:nvSpPr>
-        <p:spPr>
-          <a:xfrm>
-            <a:off x="571500" y="685800"/>
-            <a:ext cx="13723027" cy="1384995"/>
-          </a:xfrm>
-          <a:prstGeom prst="rect">
-            <a:avLst/>
-          </a:prstGeom>
-          <a:noFill/>
-        </p:spPr>
-        <p:txBody>
-          <a:bodyPr wrap="none" lIns="0" tIns="0" rIns="0" bIns="0" rtlCol="0">
-            <a:noAutofit/>
-          </a:bodyPr>
-          <a:lstStyle/>
-          <a:p>
-            <a:r>
-              <a:rPr lang="en-US" sz="9000" dirty="0">
-                <a:solidFill>
-                  <a:schemeClr val="bg1"/>
-                </a:solidFill>
-                <a:latin typeface="Courier New" panose="02070309020205020404" pitchFamily="49" charset="0"/>
-                <a:cs typeface="Courier New" panose="02070309020205020404" pitchFamily="49" charset="0"/>
-              </a:rPr>
-              <a:t>&lt;</a:t>
             </a:r>
           </a:p>
         </p:txBody>
@@ -42858,6 +43175,47 @@
           </a:p>
         </p:txBody>
       </p:sp>
+      <p:sp>
+        <p:nvSpPr>
+          <p:cNvPr id="2" name="TextBox 1">
+            <a:extLst>
+              <a:ext uri="{FF2B5EF4-FFF2-40B4-BE49-F238E27FC236}">
+                <a16:creationId xmlns:a16="http://schemas.microsoft.com/office/drawing/2014/main" id="{8F378C3C-5EB0-30EE-BA19-289B502A6AD7}"/>
+              </a:ext>
+            </a:extLst>
+          </p:cNvPr>
+          <p:cNvSpPr txBox="1"/>
+          <p:nvPr/>
+        </p:nvSpPr>
+        <p:spPr>
+          <a:xfrm>
+            <a:off x="571500" y="685800"/>
+            <a:ext cx="13723027" cy="1384995"/>
+          </a:xfrm>
+          <a:prstGeom prst="rect">
+            <a:avLst/>
+          </a:prstGeom>
+          <a:noFill/>
+        </p:spPr>
+        <p:txBody>
+          <a:bodyPr wrap="none" lIns="0" tIns="0" rIns="0" bIns="0" rtlCol="0">
+            <a:noAutofit/>
+          </a:bodyPr>
+          <a:lstStyle/>
+          <a:p>
+            <a:r>
+              <a:rPr lang="en-US" sz="9000" dirty="0">
+                <a:solidFill>
+                  <a:schemeClr val="bg1"/>
+                </a:solidFill>
+                <a:latin typeface="Courier New" panose="02070309020205020404" pitchFamily="49" charset="0"/>
+                <a:cs typeface="Courier New" panose="02070309020205020404" pitchFamily="49" charset="0"/>
+              </a:rPr>
+              <a:t>◄</a:t>
+            </a:r>
+          </a:p>
+        </p:txBody>
+      </p:sp>
     </p:spTree>
     <p:extLst>
       <p:ext uri="{BB962C8B-B14F-4D97-AF65-F5344CB8AC3E}">
@@ -43101,47 +43459,6 @@
       </p:sp>
       <p:sp>
         <p:nvSpPr>
-          <p:cNvPr id="413" name="TextBox 412">
-            <a:extLst>
-              <a:ext uri="{FF2B5EF4-FFF2-40B4-BE49-F238E27FC236}">
-                <a16:creationId xmlns:a16="http://schemas.microsoft.com/office/drawing/2014/main" id="{7D2DD21E-4D02-4B77-3370-2154908142F6}"/>
-              </a:ext>
-            </a:extLst>
-          </p:cNvPr>
-          <p:cNvSpPr txBox="1"/>
-          <p:nvPr/>
-        </p:nvSpPr>
-        <p:spPr>
-          <a:xfrm>
-            <a:off x="571500" y="685800"/>
-            <a:ext cx="13723027" cy="1384995"/>
-          </a:xfrm>
-          <a:prstGeom prst="rect">
-            <a:avLst/>
-          </a:prstGeom>
-          <a:noFill/>
-        </p:spPr>
-        <p:txBody>
-          <a:bodyPr wrap="none" lIns="0" tIns="0" rIns="0" bIns="0" rtlCol="0">
-            <a:noAutofit/>
-          </a:bodyPr>
-          <a:lstStyle/>
-          <a:p>
-            <a:r>
-              <a:rPr lang="en-US" sz="9000" dirty="0">
-                <a:solidFill>
-                  <a:schemeClr val="bg1"/>
-                </a:solidFill>
-                <a:latin typeface="Courier New" panose="02070309020205020404" pitchFamily="49" charset="0"/>
-                <a:cs typeface="Courier New" panose="02070309020205020404" pitchFamily="49" charset="0"/>
-              </a:rPr>
-              <a:t>&lt;</a:t>
-            </a:r>
-          </a:p>
-        </p:txBody>
-      </p:sp>
-      <p:sp>
-        <p:nvSpPr>
           <p:cNvPr id="416" name="TextBox 415">
             <a:extLst>
               <a:ext uri="{FF2B5EF4-FFF2-40B4-BE49-F238E27FC236}">
@@ -43975,6 +44292,47 @@
           </a:p>
         </p:txBody>
       </p:sp>
+      <p:sp>
+        <p:nvSpPr>
+          <p:cNvPr id="19" name="TextBox 18">
+            <a:extLst>
+              <a:ext uri="{FF2B5EF4-FFF2-40B4-BE49-F238E27FC236}">
+                <a16:creationId xmlns:a16="http://schemas.microsoft.com/office/drawing/2014/main" id="{60D430F0-F36D-8F44-0527-037EB98E678C}"/>
+              </a:ext>
+            </a:extLst>
+          </p:cNvPr>
+          <p:cNvSpPr txBox="1"/>
+          <p:nvPr/>
+        </p:nvSpPr>
+        <p:spPr>
+          <a:xfrm>
+            <a:off x="571500" y="685800"/>
+            <a:ext cx="13723027" cy="1384995"/>
+          </a:xfrm>
+          <a:prstGeom prst="rect">
+            <a:avLst/>
+          </a:prstGeom>
+          <a:noFill/>
+        </p:spPr>
+        <p:txBody>
+          <a:bodyPr wrap="none" lIns="0" tIns="0" rIns="0" bIns="0" rtlCol="0">
+            <a:noAutofit/>
+          </a:bodyPr>
+          <a:lstStyle/>
+          <a:p>
+            <a:r>
+              <a:rPr lang="en-US" sz="9000" dirty="0">
+                <a:solidFill>
+                  <a:schemeClr val="bg1"/>
+                </a:solidFill>
+                <a:latin typeface="Courier New" panose="02070309020205020404" pitchFamily="49" charset="0"/>
+                <a:cs typeface="Courier New" panose="02070309020205020404" pitchFamily="49" charset="0"/>
+              </a:rPr>
+              <a:t>◄</a:t>
+            </a:r>
+          </a:p>
+        </p:txBody>
+      </p:sp>
     </p:spTree>
     <p:extLst>
       <p:ext uri="{BB962C8B-B14F-4D97-AF65-F5344CB8AC3E}">
